--- a/YS/영화프로젝트.pptx
+++ b/YS/영화프로젝트.pptx
@@ -8096,15 +8096,7 @@
                   <a:schemeClr val="bg1"/>
                 </a:solidFill>
               </a:rPr>
-              <a:t>색채 및 </a:t>
-            </a:r>
-            <a:r>
-              <a:rPr lang="ko-KR" altLang="en-US" sz="1200" dirty="0" smtClean="0">
-                <a:solidFill>
-                  <a:schemeClr val="bg1"/>
-                </a:solidFill>
-              </a:rPr>
-              <a:t>텍스트인식</a:t>
+              <a:t>색채 및 텍스트인식</a:t>
             </a:r>
             <a:endParaRPr lang="en-US" sz="1200" dirty="0">
               <a:solidFill>
@@ -8551,7 +8543,15 @@
           <a:p>
             <a:r>
               <a:rPr lang="ko-KR" altLang="en-US" dirty="0" smtClean="0"/>
-              <a:t>    메모리 부족으로 </a:t>
+              <a:t>    </a:t>
+            </a:r>
+            <a:r>
+              <a:rPr lang="ko-KR" altLang="en-US" dirty="0" err="1" smtClean="0"/>
+              <a:t>브라우저때문에</a:t>
+            </a:r>
+            <a:r>
+              <a:rPr lang="ko-KR" altLang="en-US" dirty="0" smtClean="0"/>
+              <a:t> </a:t>
             </a:r>
             <a:r>
               <a:rPr lang="en-US" altLang="ko-KR" dirty="0" smtClean="0"/>
@@ -8564,6 +8564,18 @@
             <a:endParaRPr lang="en-US" altLang="ko-KR" dirty="0" smtClean="0"/>
           </a:p>
           <a:p>
+            <a:r>
+              <a:rPr lang="en-US" altLang="ko-KR" dirty="0" smtClean="0"/>
+              <a:t>    </a:t>
+            </a:r>
+            <a:r>
+              <a:rPr lang="ko-KR" altLang="en-US" dirty="0" smtClean="0"/>
+              <a:t>너무 </a:t>
+            </a:r>
+            <a:r>
+              <a:rPr lang="ko-KR" altLang="en-US" dirty="0" err="1" smtClean="0"/>
+              <a:t>오래걸림</a:t>
+            </a:r>
             <a:endParaRPr lang="en-US" altLang="ko-KR" dirty="0"/>
           </a:p>
           <a:p>
@@ -8581,6 +8593,18 @@
             <a:endParaRPr lang="en-US" altLang="ko-KR" dirty="0" smtClean="0"/>
           </a:p>
           <a:p>
+            <a:r>
+              <a:rPr lang="en-US" altLang="ko-KR" dirty="0" smtClean="0"/>
+              <a:t>    </a:t>
+            </a:r>
+            <a:r>
+              <a:rPr lang="ko-KR" altLang="en-US" dirty="0" smtClean="0"/>
+              <a:t>브라우저는 닫고 집에 가자 </a:t>
+            </a:r>
+            <a:r>
+              <a:rPr lang="en-US" altLang="ko-KR" dirty="0" smtClean="0"/>
+              <a:t> </a:t>
+            </a:r>
             <a:endParaRPr lang="en-US" altLang="ko-KR" dirty="0"/>
           </a:p>
           <a:p>
@@ -8590,7 +8614,11 @@
             </a:r>
             <a:r>
               <a:rPr lang="ko-KR" altLang="en-US" dirty="0" err="1" smtClean="0"/>
-              <a:t>멀티프로세싱</a:t>
+              <a:t>멀티프로세싱으로</a:t>
+            </a:r>
+            <a:r>
+              <a:rPr lang="ko-KR" altLang="en-US" smtClean="0"/>
+              <a:t> 시간 단축</a:t>
             </a:r>
             <a:endParaRPr lang="en-US" altLang="ko-KR" dirty="0" smtClean="0"/>
           </a:p>
